--- a/docs/posts/2023/Lifestyle/QuartoBasics.pptx
+++ b/docs/posts/2023/Lifestyle/QuartoBasics.pptx
@@ -3247,7 +3247,7 @@
             </a:pPr>
             <a:r>
               <a:rPr/>
-              <a:t>1 使い方の概要</a:t>
+              <a:t>1. 使い方の概要</a:t>
             </a:r>
           </a:p>
         </p:txBody>
@@ -4747,7 +4747,7 @@
             </a:pPr>
             <a:r>
               <a:rPr/>
-              <a:t>2 Website の作り方</a:t>
+              <a:t>2. Website の作り方</a:t>
             </a:r>
           </a:p>
         </p:txBody>
@@ -6212,7 +6212,7 @@
             </a:pPr>
             <a:r>
               <a:rPr/>
-              <a:t>3 PDF の作り方</a:t>
+              <a:t>3. PDF の作り方</a:t>
             </a:r>
           </a:p>
         </p:txBody>
@@ -7239,7 +7239,7 @@
             </a:pPr>
             <a:r>
               <a:rPr/>
-              <a:t>4 スライドの作り方</a:t>
+              <a:t>4. スライドの作り方</a:t>
             </a:r>
           </a:p>
         </p:txBody>

--- a/docs/posts/2023/Lifestyle/QuartoBasics.pptx
+++ b/docs/posts/2023/Lifestyle/QuartoBasics.pptx
@@ -3253,7 +3253,7 @@
             </a:pPr>
             <a:r>
               <a:rPr/>
-              <a:t>1. 使い方の概要</a:t>
+              <a:t>1 使い方の概要</a:t>
             </a:r>
           </a:p>
         </p:txBody>
@@ -3384,7 +3384,7 @@
         </p:blipFill>
         <p:spPr bwMode="auto">
           <a:xfrm>
-            <a:off x="3568700" y="1117600"/>
+            <a:off x="3568700" y="863600"/>
             <a:ext cx="5105400" cy="2552700"/>
           </a:xfrm>
           <a:prstGeom prst="rect">
@@ -3398,6 +3398,36 @@
           </a:ln>
         </p:spPr>
       </p:pic>
+      <p:sp>
+        <p:nvSpPr>
+          <p:cNvPr id="1" name="TextBox 3"/>
+          <p:cNvSpPr txBox="1"/>
+          <p:nvPr/>
+        </p:nvSpPr>
+        <p:spPr>
+          <a:xfrm>
+            <a:off x="3568700" y="4076700"/>
+            <a:ext cx="5105400" cy="508000"/>
+          </a:xfrm>
+          <a:prstGeom prst="rect">
+            <a:avLst/>
+          </a:prstGeom>
+          <a:noFill/>
+        </p:spPr>
+        <p:txBody>
+          <a:bodyPr/>
+          <a:lstStyle/>
+          <a:p>
+            <a:pPr lvl="0" indent="0" marL="0" algn="ctr">
+              <a:buNone/>
+            </a:pPr>
+            <a:r>
+              <a:rPr/>
+              <a:t>図 1: Parametric Plots</a:t>
+            </a:r>
+          </a:p>
+        </p:txBody>
+      </p:sp>
     </p:spTree>
   </p:cSld>
 </p:sld>
@@ -3801,8 +3831,45 @@
                   <a:t>title</a:t>
                 </a:r>
                 <a:r>
+                  <a:rPr b="1">
+                    <a:solidFill>
+                      <a:srgbClr val="003B4F"/>
+                    </a:solidFill>
+                    <a:latin typeface="Courier"/>
+                  </a:rPr>
+                  <a:t>:</a:t>
+                </a:r>
+                <a:r>
                   <a:rPr>
                     <a:solidFill>
+                      <a:srgbClr val="657422"/>
+                    </a:solidFill>
+                    <a:latin typeface="Courier"/>
+                  </a:rPr>
+                  <a:t> </a:t>
+                </a:r>
+                <a:r>
+                  <a:rPr>
+                    <a:solidFill>
+                      <a:srgbClr val="20794D"/>
+                    </a:solidFill>
+                    <a:latin typeface="Courier"/>
+                  </a:rPr>
+                  <a:t>"Quarto はじめて良かった"</a:t>
+                </a:r>
+                <a:br/>
+                <a:r>
+                  <a:rPr>
+                    <a:solidFill>
+                      <a:srgbClr val="4758AB"/>
+                    </a:solidFill>
+                    <a:latin typeface="Courier"/>
+                  </a:rPr>
+                  <a:t>author</a:t>
+                </a:r>
+                <a:r>
+                  <a:rPr b="1">
+                    <a:solidFill>
                       <a:srgbClr val="003B4F"/>
                     </a:solidFill>
                     <a:latin typeface="Courier"/>
@@ -3825,7 +3892,7 @@
                     </a:solidFill>
                     <a:latin typeface="Courier"/>
                   </a:rPr>
-                  <a:t>"Quarto はじめて良かった"</a:t>
+                  <a:t>"司馬博文"</a:t>
                 </a:r>
                 <a:br/>
                 <a:r>
@@ -3835,11 +3902,48 @@
                     </a:solidFill>
                     <a:latin typeface="Courier"/>
                   </a:rPr>
-                  <a:t>author</a:t>
+                  <a:t>date</a:t>
+                </a:r>
+                <a:r>
+                  <a:rPr b="1">
+                    <a:solidFill>
+                      <a:srgbClr val="003B4F"/>
+                    </a:solidFill>
+                    <a:latin typeface="Courier"/>
+                  </a:rPr>
+                  <a:t>:</a:t>
                 </a:r>
                 <a:r>
                   <a:rPr>
                     <a:solidFill>
+                      <a:srgbClr val="657422"/>
+                    </a:solidFill>
+                    <a:latin typeface="Courier"/>
+                  </a:rPr>
+                  <a:t> </a:t>
+                </a:r>
+                <a:r>
+                  <a:rPr>
+                    <a:solidFill>
+                      <a:srgbClr val="20794D"/>
+                    </a:solidFill>
+                    <a:latin typeface="Courier"/>
+                  </a:rPr>
+                  <a:t>"11/4/2023"</a:t>
+                </a:r>
+                <a:br/>
+                <a:r>
+                  <a:rPr>
+                    <a:solidFill>
+                      <a:srgbClr val="4758AB"/>
+                    </a:solidFill>
+                    <a:latin typeface="Courier"/>
+                  </a:rPr>
+                  <a:t>date-modified</a:t>
+                </a:r>
+                <a:r>
+                  <a:rPr b="1">
+                    <a:solidFill>
                       <a:srgbClr val="003B4F"/>
                     </a:solidFill>
                     <a:latin typeface="Courier"/>
@@ -3862,7 +3966,7 @@
                     </a:solidFill>
                     <a:latin typeface="Courier"/>
                   </a:rPr>
-                  <a:t>"司馬博文"</a:t>
+                  <a:t>"7/7/2024"</a:t>
                 </a:r>
                 <a:br/>
                 <a:r>
@@ -3872,15 +3976,70 @@
                     </a:solidFill>
                     <a:latin typeface="Courier"/>
                   </a:rPr>
-                  <a:t>date</a:t>
+                  <a:t>categories</a:t>
+                </a:r>
+                <a:r>
+                  <a:rPr b="1">
+                    <a:solidFill>
+                      <a:srgbClr val="003B4F"/>
+                    </a:solidFill>
+                    <a:latin typeface="Courier"/>
+                  </a:rPr>
+                  <a:t>:</a:t>
                 </a:r>
                 <a:r>
                   <a:rPr>
                     <a:solidFill>
+                      <a:srgbClr val="657422"/>
+                    </a:solidFill>
+                    <a:latin typeface="Courier"/>
+                  </a:rPr>
+                  <a:t> </a:t>
+                </a:r>
+                <a:r>
+                  <a:rPr b="1">
+                    <a:solidFill>
                       <a:srgbClr val="003B4F"/>
                     </a:solidFill>
                     <a:latin typeface="Courier"/>
                   </a:rPr>
+                  <a:t>[</a:t>
+                </a:r>
+                <a:r>
+                  <a:rPr>
+                    <a:solidFill>
+                      <a:srgbClr val="657422"/>
+                    </a:solidFill>
+                    <a:latin typeface="Courier"/>
+                  </a:rPr>
+                  <a:t>Lifestyle</a:t>
+                </a:r>
+                <a:r>
+                  <a:rPr b="1">
+                    <a:solidFill>
+                      <a:srgbClr val="003B4F"/>
+                    </a:solidFill>
+                    <a:latin typeface="Courier"/>
+                  </a:rPr>
+                  <a:t>]</a:t>
+                </a:r>
+                <a:br/>
+                <a:r>
+                  <a:rPr>
+                    <a:solidFill>
+                      <a:srgbClr val="4758AB"/>
+                    </a:solidFill>
+                    <a:latin typeface="Courier"/>
+                  </a:rPr>
+                  <a:t>abstract</a:t>
+                </a:r>
+                <a:r>
+                  <a:rPr b="1">
+                    <a:solidFill>
+                      <a:srgbClr val="003B4F"/>
+                    </a:solidFill>
+                    <a:latin typeface="Courier"/>
+                  </a:rPr>
                   <a:t>:</a:t>
                 </a:r>
                 <a:r>
@@ -3890,6 +4049,118 @@
                     </a:solidFill>
                     <a:latin typeface="Courier"/>
                   </a:rPr>
+                  <a:t> Quarto は TeX のような使用感で，数式とコードが併存する文章を書き，１つのソースファイルから PDF, HTML, Word, Reveal.js, PowerPoint などの多様な形式に出力できる次世代の執筆環境である．TeX, RStudio, Jupyter Notebook のいずれかに慣れている人であれば，極めて手軽に Quarto を使うことができる．</a:t>
+                </a:r>
+                <a:br/>
+                <a:r>
+                  <a:rPr>
+                    <a:solidFill>
+                      <a:srgbClr val="4758AB"/>
+                    </a:solidFill>
+                    <a:latin typeface="Courier"/>
+                  </a:rPr>
+                  <a:t>abstract-title</a:t>
+                </a:r>
+                <a:r>
+                  <a:rPr b="1">
+                    <a:solidFill>
+                      <a:srgbClr val="003B4F"/>
+                    </a:solidFill>
+                    <a:latin typeface="Courier"/>
+                  </a:rPr>
+                  <a:t>:</a:t>
+                </a:r>
+                <a:r>
+                  <a:rPr>
+                    <a:solidFill>
+                      <a:srgbClr val="657422"/>
+                    </a:solidFill>
+                    <a:latin typeface="Courier"/>
+                  </a:rPr>
+                  <a:t> 概要</a:t>
+                </a:r>
+                <a:br/>
+                <a:r>
+                  <a:rPr>
+                    <a:solidFill>
+                      <a:srgbClr val="4758AB"/>
+                    </a:solidFill>
+                    <a:latin typeface="Courier"/>
+                  </a:rPr>
+                  <a:t>format</a:t>
+                </a:r>
+                <a:r>
+                  <a:rPr b="1">
+                    <a:solidFill>
+                      <a:srgbClr val="003B4F"/>
+                    </a:solidFill>
+                    <a:latin typeface="Courier"/>
+                  </a:rPr>
+                  <a:t>:</a:t>
+                </a:r>
+                <a:br/>
+                <a:r>
+                  <a:rPr>
+                    <a:solidFill>
+                      <a:srgbClr val="657422"/>
+                    </a:solidFill>
+                    <a:latin typeface="Courier"/>
+                  </a:rPr>
+                  <a:t>  </a:t>
+                </a:r>
+                <a:r>
+                  <a:rPr>
+                    <a:solidFill>
+                      <a:srgbClr val="4758AB"/>
+                    </a:solidFill>
+                    <a:latin typeface="Courier"/>
+                  </a:rPr>
+                  <a:t>html</a:t>
+                </a:r>
+                <a:r>
+                  <a:rPr b="1">
+                    <a:solidFill>
+                      <a:srgbClr val="003B4F"/>
+                    </a:solidFill>
+                    <a:latin typeface="Courier"/>
+                  </a:rPr>
+                  <a:t>:</a:t>
+                </a:r>
+                <a:br/>
+                <a:r>
+                  <a:rPr>
+                    <a:solidFill>
+                      <a:srgbClr val="657422"/>
+                    </a:solidFill>
+                    <a:latin typeface="Courier"/>
+                  </a:rPr>
+                  <a:t>    </a:t>
+                </a:r>
+                <a:r>
+                  <a:rPr>
+                    <a:solidFill>
+                      <a:srgbClr val="4758AB"/>
+                    </a:solidFill>
+                    <a:latin typeface="Courier"/>
+                  </a:rPr>
+                  <a:t>mainfont</a:t>
+                </a:r>
+                <a:r>
+                  <a:rPr b="1">
+                    <a:solidFill>
+                      <a:srgbClr val="003B4F"/>
+                    </a:solidFill>
+                    <a:latin typeface="Courier"/>
+                  </a:rPr>
+                  <a:t>:</a:t>
+                </a:r>
+                <a:r>
+                  <a:rPr>
+                    <a:solidFill>
+                      <a:srgbClr val="657422"/>
+                    </a:solidFill>
+                    <a:latin typeface="Courier"/>
+                  </a:rPr>
                   <a:t> </a:t>
                 </a:r>
                 <a:r>
@@ -3899,21 +4170,67 @@
                     </a:solidFill>
                     <a:latin typeface="Courier"/>
                   </a:rPr>
-                  <a:t>"11/4/2023"</a:t>
+                  <a:t>"Gill Sans"</a:t>
                 </a:r>
                 <a:br/>
                 <a:r>
                   <a:rPr>
                     <a:solidFill>
+                      <a:srgbClr val="657422"/>
+                    </a:solidFill>
+                    <a:latin typeface="Courier"/>
+                  </a:rPr>
+                  <a:t>    </a:t>
+                </a:r>
+                <a:r>
+                  <a:rPr>
+                    <a:solidFill>
                       <a:srgbClr val="4758AB"/>
                     </a:solidFill>
                     <a:latin typeface="Courier"/>
                   </a:rPr>
-                  <a:t>date-modified</a:t>
+                  <a:t>theme</a:t>
+                </a:r>
+                <a:r>
+                  <a:rPr b="1">
+                    <a:solidFill>
+                      <a:srgbClr val="003B4F"/>
+                    </a:solidFill>
+                    <a:latin typeface="Courier"/>
+                  </a:rPr>
+                  <a:t>:</a:t>
                 </a:r>
                 <a:r>
                   <a:rPr>
                     <a:solidFill>
+                      <a:srgbClr val="657422"/>
+                    </a:solidFill>
+                    <a:latin typeface="Courier"/>
+                  </a:rPr>
+                  <a:t> minty</a:t>
+                </a:r>
+                <a:br/>
+                <a:r>
+                  <a:rPr>
+                    <a:solidFill>
+                      <a:srgbClr val="657422"/>
+                    </a:solidFill>
+                    <a:latin typeface="Courier"/>
+                  </a:rPr>
+                  <a:t>    </a:t>
+                </a:r>
+                <a:r>
+                  <a:rPr>
+                    <a:solidFill>
+                      <a:srgbClr val="4758AB"/>
+                    </a:solidFill>
+                    <a:latin typeface="Courier"/>
+                  </a:rPr>
+                  <a:t>css</a:t>
+                </a:r>
+                <a:r>
+                  <a:rPr b="1">
+                    <a:solidFill>
                       <a:srgbClr val="003B4F"/>
                     </a:solidFill>
                     <a:latin typeface="Courier"/>
@@ -3927,6 +4244,43 @@
                     </a:solidFill>
                     <a:latin typeface="Courier"/>
                   </a:rPr>
+                  <a:t> assets/styles.css</a:t>
+                </a:r>
+                <a:br/>
+                <a:r>
+                  <a:rPr>
+                    <a:solidFill>
+                      <a:srgbClr val="657422"/>
+                    </a:solidFill>
+                    <a:latin typeface="Courier"/>
+                  </a:rPr>
+                  <a:t>    </a:t>
+                </a:r>
+                <a:r>
+                  <a:rPr>
+                    <a:solidFill>
+                      <a:srgbClr val="4758AB"/>
+                    </a:solidFill>
+                    <a:latin typeface="Courier"/>
+                  </a:rPr>
+                  <a:t>toc</a:t>
+                </a:r>
+                <a:r>
+                  <a:rPr b="1">
+                    <a:solidFill>
+                      <a:srgbClr val="003B4F"/>
+                    </a:solidFill>
+                    <a:latin typeface="Courier"/>
+                  </a:rPr>
+                  <a:t>:</a:t>
+                </a:r>
+                <a:r>
+                  <a:rPr>
+                    <a:solidFill>
+                      <a:srgbClr val="657422"/>
+                    </a:solidFill>
+                    <a:latin typeface="Courier"/>
+                  </a:rPr>
                   <a:t> </a:t>
                 </a:r>
                 <a:r>
@@ -3936,21 +4290,76 @@
                     </a:solidFill>
                     <a:latin typeface="Courier"/>
                   </a:rPr>
-                  <a:t>"7/7/2024"</a:t>
+                  <a:t>true</a:t>
                 </a:r>
                 <a:br/>
                 <a:r>
                   <a:rPr>
                     <a:solidFill>
+                      <a:srgbClr val="657422"/>
+                    </a:solidFill>
+                    <a:latin typeface="Courier"/>
+                  </a:rPr>
+                  <a:t>    </a:t>
+                </a:r>
+                <a:r>
+                  <a:rPr>
+                    <a:solidFill>
                       <a:srgbClr val="4758AB"/>
                     </a:solidFill>
                     <a:latin typeface="Courier"/>
                   </a:rPr>
-                  <a:t>categories</a:t>
+                  <a:t>number-sections</a:t>
+                </a:r>
+                <a:r>
+                  <a:rPr b="1">
+                    <a:solidFill>
+                      <a:srgbClr val="003B4F"/>
+                    </a:solidFill>
+                    <a:latin typeface="Courier"/>
+                  </a:rPr>
+                  <a:t>:</a:t>
                 </a:r>
                 <a:r>
                   <a:rPr>
                     <a:solidFill>
+                      <a:srgbClr val="657422"/>
+                    </a:solidFill>
+                    <a:latin typeface="Courier"/>
+                  </a:rPr>
+                  <a:t> </a:t>
+                </a:r>
+                <a:r>
+                  <a:rPr>
+                    <a:solidFill>
+                      <a:srgbClr val="20794D"/>
+                    </a:solidFill>
+                    <a:latin typeface="Courier"/>
+                  </a:rPr>
+                  <a:t>true</a:t>
+                </a:r>
+                <a:br/>
+                <a:r>
+                  <a:rPr>
+                    <a:solidFill>
+                      <a:srgbClr val="657422"/>
+                    </a:solidFill>
+                    <a:latin typeface="Courier"/>
+                  </a:rPr>
+                  <a:t>    </a:t>
+                </a:r>
+                <a:r>
+                  <a:rPr>
+                    <a:solidFill>
+                      <a:srgbClr val="4758AB"/>
+                    </a:solidFill>
+                    <a:latin typeface="Courier"/>
+                  </a:rPr>
+                  <a:t>highlight-style</a:t>
+                </a:r>
+                <a:r>
+                  <a:rPr b="1">
+                    <a:solidFill>
                       <a:srgbClr val="003B4F"/>
                     </a:solidFill>
                     <a:latin typeface="Courier"/>
@@ -3964,16 +4373,81 @@
                     </a:solidFill>
                     <a:latin typeface="Courier"/>
                   </a:rPr>
+                  <a:t> ayu</a:t>
+                </a:r>
+                <a:br/>
+                <a:r>
+                  <a:rPr>
+                    <a:solidFill>
+                      <a:srgbClr val="657422"/>
+                    </a:solidFill>
+                    <a:latin typeface="Courier"/>
+                  </a:rPr>
+                  <a:t>    </a:t>
+                </a:r>
+                <a:r>
+                  <a:rPr>
+                    <a:solidFill>
+                      <a:srgbClr val="4758AB"/>
+                    </a:solidFill>
+                    <a:latin typeface="Courier"/>
+                  </a:rPr>
+                  <a:t>code-block-border-left</a:t>
+                </a:r>
+                <a:r>
+                  <a:rPr b="1">
+                    <a:solidFill>
+                      <a:srgbClr val="003B4F"/>
+                    </a:solidFill>
+                    <a:latin typeface="Courier"/>
+                  </a:rPr>
+                  <a:t>:</a:t>
+                </a:r>
+                <a:r>
+                  <a:rPr>
+                    <a:solidFill>
+                      <a:srgbClr val="657422"/>
+                    </a:solidFill>
+                    <a:latin typeface="Courier"/>
+                  </a:rPr>
                   <a:t> </a:t>
                 </a:r>
                 <a:r>
                   <a:rPr>
                     <a:solidFill>
+                      <a:srgbClr val="20794D"/>
+                    </a:solidFill>
+                    <a:latin typeface="Courier"/>
+                  </a:rPr>
+                  <a:t>"#7CC4AC"</a:t>
+                </a:r>
+                <a:br/>
+                <a:r>
+                  <a:rPr>
+                    <a:solidFill>
+                      <a:srgbClr val="657422"/>
+                    </a:solidFill>
+                    <a:latin typeface="Courier"/>
+                  </a:rPr>
+                  <a:t>    </a:t>
+                </a:r>
+                <a:r>
+                  <a:rPr>
+                    <a:solidFill>
+                      <a:srgbClr val="4758AB"/>
+                    </a:solidFill>
+                    <a:latin typeface="Courier"/>
+                  </a:rPr>
+                  <a:t>code-overflow</a:t>
+                </a:r>
+                <a:r>
+                  <a:rPr b="1">
+                    <a:solidFill>
                       <a:srgbClr val="003B4F"/>
                     </a:solidFill>
                     <a:latin typeface="Courier"/>
                   </a:rPr>
-                  <a:t>[</a:t>
+                  <a:t>:</a:t>
                 </a:r>
                 <a:r>
                   <a:rPr>
@@ -3982,519 +4456,75 @@
                     </a:solidFill>
                     <a:latin typeface="Courier"/>
                   </a:rPr>
-                  <a:t>Lifestyle</a:t>
-                </a:r>
+                  <a:t> scroll</a:t>
+                </a:r>
+                <a:br/>
                 <a:r>
                   <a:rPr>
                     <a:solidFill>
+                      <a:srgbClr val="657422"/>
+                    </a:solidFill>
+                    <a:latin typeface="Courier"/>
+                  </a:rPr>
+                  <a:t>    </a:t>
+                </a:r>
+                <a:r>
+                  <a:rPr>
+                    <a:solidFill>
+                      <a:srgbClr val="4758AB"/>
+                    </a:solidFill>
+                    <a:latin typeface="Courier"/>
+                  </a:rPr>
+                  <a:t>toc-title</a:t>
+                </a:r>
+                <a:r>
+                  <a:rPr b="1">
+                    <a:solidFill>
                       <a:srgbClr val="003B4F"/>
                     </a:solidFill>
                     <a:latin typeface="Courier"/>
                   </a:rPr>
-                  <a:t>]</a:t>
+                  <a:t>:</a:t>
+                </a:r>
+                <a:r>
+                  <a:rPr>
+                    <a:solidFill>
+                      <a:srgbClr val="657422"/>
+                    </a:solidFill>
+                    <a:latin typeface="Courier"/>
+                  </a:rPr>
+                  <a:t> </a:t>
+                </a:r>
+                <a:r>
+                  <a:rPr>
+                    <a:solidFill>
+                      <a:srgbClr val="20794D"/>
+                    </a:solidFill>
+                    <a:latin typeface="Courier"/>
+                  </a:rPr>
+                  <a:t>"目次"</a:t>
                 </a:r>
                 <a:br/>
                 <a:r>
                   <a:rPr>
                     <a:solidFill>
+                      <a:srgbClr val="657422"/>
+                    </a:solidFill>
+                    <a:latin typeface="Courier"/>
+                  </a:rPr>
+                  <a:t>    </a:t>
+                </a:r>
+                <a:r>
+                  <a:rPr>
+                    <a:solidFill>
                       <a:srgbClr val="4758AB"/>
                     </a:solidFill>
                     <a:latin typeface="Courier"/>
                   </a:rPr>
-                  <a:t>abstract</a:t>
-                </a:r>
-                <a:r>
-                  <a:rPr>
-                    <a:solidFill>
-                      <a:srgbClr val="003B4F"/>
-                    </a:solidFill>
-                    <a:latin typeface="Courier"/>
-                  </a:rPr>
-                  <a:t>:</a:t>
-                </a:r>
-                <a:r>
-                  <a:rPr>
-                    <a:solidFill>
-                      <a:srgbClr val="657422"/>
-                    </a:solidFill>
-                    <a:latin typeface="Courier"/>
-                  </a:rPr>
-                  <a:t> Quarto は TeX のような使用感で，数式とコードが併存する文章を書き，１つのソースファイルから PDF, HTML, Word, Reveal.js, PowerPoint などの多様な形式に出力できる次世代の執筆環境である．TeX, RStudio, Jupyter Notebook のいずれかに慣れている人であれば，極めて手軽に Quarto を使うことができる．</a:t>
-                </a:r>
-                <a:br/>
-                <a:r>
-                  <a:rPr>
-                    <a:solidFill>
-                      <a:srgbClr val="4758AB"/>
-                    </a:solidFill>
-                    <a:latin typeface="Courier"/>
-                  </a:rPr>
                   <a:t>abstract-title</a:t>
                 </a:r>
                 <a:r>
-                  <a:rPr>
-                    <a:solidFill>
-                      <a:srgbClr val="003B4F"/>
-                    </a:solidFill>
-                    <a:latin typeface="Courier"/>
-                  </a:rPr>
-                  <a:t>:</a:t>
-                </a:r>
-                <a:r>
-                  <a:rPr>
-                    <a:solidFill>
-                      <a:srgbClr val="657422"/>
-                    </a:solidFill>
-                    <a:latin typeface="Courier"/>
-                  </a:rPr>
-                  <a:t> 概要</a:t>
-                </a:r>
-                <a:br/>
-                <a:r>
-                  <a:rPr>
-                    <a:solidFill>
-                      <a:srgbClr val="4758AB"/>
-                    </a:solidFill>
-                    <a:latin typeface="Courier"/>
-                  </a:rPr>
-                  <a:t>format</a:t>
-                </a:r>
-                <a:r>
-                  <a:rPr>
-                    <a:solidFill>
-                      <a:srgbClr val="003B4F"/>
-                    </a:solidFill>
-                    <a:latin typeface="Courier"/>
-                  </a:rPr>
-                  <a:t>:</a:t>
-                </a:r>
-                <a:br/>
-                <a:r>
-                  <a:rPr>
-                    <a:solidFill>
-                      <a:srgbClr val="657422"/>
-                    </a:solidFill>
-                    <a:latin typeface="Courier"/>
-                  </a:rPr>
-                  <a:t>  </a:t>
-                </a:r>
-                <a:r>
-                  <a:rPr>
-                    <a:solidFill>
-                      <a:srgbClr val="4758AB"/>
-                    </a:solidFill>
-                    <a:latin typeface="Courier"/>
-                  </a:rPr>
-                  <a:t>html</a:t>
-                </a:r>
-                <a:r>
-                  <a:rPr>
-                    <a:solidFill>
-                      <a:srgbClr val="003B4F"/>
-                    </a:solidFill>
-                    <a:latin typeface="Courier"/>
-                  </a:rPr>
-                  <a:t>:</a:t>
-                </a:r>
-                <a:br/>
-                <a:r>
-                  <a:rPr>
-                    <a:solidFill>
-                      <a:srgbClr val="657422"/>
-                    </a:solidFill>
-                    <a:latin typeface="Courier"/>
-                  </a:rPr>
-                  <a:t>    </a:t>
-                </a:r>
-                <a:r>
-                  <a:rPr>
-                    <a:solidFill>
-                      <a:srgbClr val="4758AB"/>
-                    </a:solidFill>
-                    <a:latin typeface="Courier"/>
-                  </a:rPr>
-                  <a:t>mainfont</a:t>
-                </a:r>
-                <a:r>
-                  <a:rPr>
-                    <a:solidFill>
-                      <a:srgbClr val="003B4F"/>
-                    </a:solidFill>
-                    <a:latin typeface="Courier"/>
-                  </a:rPr>
-                  <a:t>:</a:t>
-                </a:r>
-                <a:r>
-                  <a:rPr>
-                    <a:solidFill>
-                      <a:srgbClr val="657422"/>
-                    </a:solidFill>
-                    <a:latin typeface="Courier"/>
-                  </a:rPr>
-                  <a:t> </a:t>
-                </a:r>
-                <a:r>
-                  <a:rPr>
-                    <a:solidFill>
-                      <a:srgbClr val="20794D"/>
-                    </a:solidFill>
-                    <a:latin typeface="Courier"/>
-                  </a:rPr>
-                  <a:t>"Gill Sans"</a:t>
-                </a:r>
-                <a:br/>
-                <a:r>
-                  <a:rPr>
-                    <a:solidFill>
-                      <a:srgbClr val="657422"/>
-                    </a:solidFill>
-                    <a:latin typeface="Courier"/>
-                  </a:rPr>
-                  <a:t>    </a:t>
-                </a:r>
-                <a:r>
-                  <a:rPr>
-                    <a:solidFill>
-                      <a:srgbClr val="4758AB"/>
-                    </a:solidFill>
-                    <a:latin typeface="Courier"/>
-                  </a:rPr>
-                  <a:t>theme</a:t>
-                </a:r>
-                <a:r>
-                  <a:rPr>
-                    <a:solidFill>
-                      <a:srgbClr val="003B4F"/>
-                    </a:solidFill>
-                    <a:latin typeface="Courier"/>
-                  </a:rPr>
-                  <a:t>:</a:t>
-                </a:r>
-                <a:r>
-                  <a:rPr>
-                    <a:solidFill>
-                      <a:srgbClr val="657422"/>
-                    </a:solidFill>
-                    <a:latin typeface="Courier"/>
-                  </a:rPr>
-                  <a:t> minty</a:t>
-                </a:r>
-                <a:br/>
-                <a:r>
-                  <a:rPr>
-                    <a:solidFill>
-                      <a:srgbClr val="657422"/>
-                    </a:solidFill>
-                    <a:latin typeface="Courier"/>
-                  </a:rPr>
-                  <a:t>    </a:t>
-                </a:r>
-                <a:r>
-                  <a:rPr>
-                    <a:solidFill>
-                      <a:srgbClr val="4758AB"/>
-                    </a:solidFill>
-                    <a:latin typeface="Courier"/>
-                  </a:rPr>
-                  <a:t>css</a:t>
-                </a:r>
-                <a:r>
-                  <a:rPr>
-                    <a:solidFill>
-                      <a:srgbClr val="003B4F"/>
-                    </a:solidFill>
-                    <a:latin typeface="Courier"/>
-                  </a:rPr>
-                  <a:t>:</a:t>
-                </a:r>
-                <a:r>
-                  <a:rPr>
-                    <a:solidFill>
-                      <a:srgbClr val="657422"/>
-                    </a:solidFill>
-                    <a:latin typeface="Courier"/>
-                  </a:rPr>
-                  <a:t> assets/styles.css</a:t>
-                </a:r>
-                <a:br/>
-                <a:r>
-                  <a:rPr>
-                    <a:solidFill>
-                      <a:srgbClr val="657422"/>
-                    </a:solidFill>
-                    <a:latin typeface="Courier"/>
-                  </a:rPr>
-                  <a:t>    </a:t>
-                </a:r>
-                <a:r>
-                  <a:rPr>
-                    <a:solidFill>
-                      <a:srgbClr val="4758AB"/>
-                    </a:solidFill>
-                    <a:latin typeface="Courier"/>
-                  </a:rPr>
-                  <a:t>toc</a:t>
-                </a:r>
-                <a:r>
-                  <a:rPr>
-                    <a:solidFill>
-                      <a:srgbClr val="003B4F"/>
-                    </a:solidFill>
-                    <a:latin typeface="Courier"/>
-                  </a:rPr>
-                  <a:t>:</a:t>
-                </a:r>
-                <a:r>
-                  <a:rPr>
-                    <a:solidFill>
-                      <a:srgbClr val="657422"/>
-                    </a:solidFill>
-                    <a:latin typeface="Courier"/>
-                  </a:rPr>
-                  <a:t> </a:t>
-                </a:r>
-                <a:r>
-                  <a:rPr>
-                    <a:solidFill>
-                      <a:srgbClr val="20794D"/>
-                    </a:solidFill>
-                    <a:latin typeface="Courier"/>
-                  </a:rPr>
-                  <a:t>true</a:t>
-                </a:r>
-                <a:br/>
-                <a:r>
-                  <a:rPr>
-                    <a:solidFill>
-                      <a:srgbClr val="657422"/>
-                    </a:solidFill>
-                    <a:latin typeface="Courier"/>
-                  </a:rPr>
-                  <a:t>    </a:t>
-                </a:r>
-                <a:r>
-                  <a:rPr>
-                    <a:solidFill>
-                      <a:srgbClr val="4758AB"/>
-                    </a:solidFill>
-                    <a:latin typeface="Courier"/>
-                  </a:rPr>
-                  <a:t>number-sections</a:t>
-                </a:r>
-                <a:r>
-                  <a:rPr>
-                    <a:solidFill>
-                      <a:srgbClr val="003B4F"/>
-                    </a:solidFill>
-                    <a:latin typeface="Courier"/>
-                  </a:rPr>
-                  <a:t>:</a:t>
-                </a:r>
-                <a:r>
-                  <a:rPr>
-                    <a:solidFill>
-                      <a:srgbClr val="657422"/>
-                    </a:solidFill>
-                    <a:latin typeface="Courier"/>
-                  </a:rPr>
-                  <a:t> </a:t>
-                </a:r>
-                <a:r>
-                  <a:rPr>
-                    <a:solidFill>
-                      <a:srgbClr val="20794D"/>
-                    </a:solidFill>
-                    <a:latin typeface="Courier"/>
-                  </a:rPr>
-                  <a:t>true</a:t>
-                </a:r>
-                <a:br/>
-                <a:r>
-                  <a:rPr>
-                    <a:solidFill>
-                      <a:srgbClr val="657422"/>
-                    </a:solidFill>
-                    <a:latin typeface="Courier"/>
-                  </a:rPr>
-                  <a:t>    </a:t>
-                </a:r>
-                <a:r>
-                  <a:rPr>
-                    <a:solidFill>
-                      <a:srgbClr val="4758AB"/>
-                    </a:solidFill>
-                    <a:latin typeface="Courier"/>
-                  </a:rPr>
-                  <a:t>highlight-style</a:t>
-                </a:r>
-                <a:r>
-                  <a:rPr>
-                    <a:solidFill>
-                      <a:srgbClr val="003B4F"/>
-                    </a:solidFill>
-                    <a:latin typeface="Courier"/>
-                  </a:rPr>
-                  <a:t>:</a:t>
-                </a:r>
-                <a:r>
-                  <a:rPr>
-                    <a:solidFill>
-                      <a:srgbClr val="657422"/>
-                    </a:solidFill>
-                    <a:latin typeface="Courier"/>
-                  </a:rPr>
-                  <a:t> ayu</a:t>
-                </a:r>
-                <a:br/>
-                <a:r>
-                  <a:rPr>
-                    <a:solidFill>
-                      <a:srgbClr val="657422"/>
-                    </a:solidFill>
-                    <a:latin typeface="Courier"/>
-                  </a:rPr>
-                  <a:t>    </a:t>
-                </a:r>
-                <a:r>
-                  <a:rPr>
-                    <a:solidFill>
-                      <a:srgbClr val="4758AB"/>
-                    </a:solidFill>
-                    <a:latin typeface="Courier"/>
-                  </a:rPr>
-                  <a:t>code-block-border-left</a:t>
-                </a:r>
-                <a:r>
-                  <a:rPr>
-                    <a:solidFill>
-                      <a:srgbClr val="003B4F"/>
-                    </a:solidFill>
-                    <a:latin typeface="Courier"/>
-                  </a:rPr>
-                  <a:t>:</a:t>
-                </a:r>
-                <a:r>
-                  <a:rPr>
-                    <a:solidFill>
-                      <a:srgbClr val="657422"/>
-                    </a:solidFill>
-                    <a:latin typeface="Courier"/>
-                  </a:rPr>
-                  <a:t> </a:t>
-                </a:r>
-                <a:r>
-                  <a:rPr>
-                    <a:solidFill>
-                      <a:srgbClr val="20794D"/>
-                    </a:solidFill>
-                    <a:latin typeface="Courier"/>
-                  </a:rPr>
-                  <a:t>"#7CC4AC"</a:t>
-                </a:r>
-                <a:br/>
-                <a:r>
-                  <a:rPr>
-                    <a:solidFill>
-                      <a:srgbClr val="657422"/>
-                    </a:solidFill>
-                    <a:latin typeface="Courier"/>
-                  </a:rPr>
-                  <a:t>    </a:t>
-                </a:r>
-                <a:r>
-                  <a:rPr>
-                    <a:solidFill>
-                      <a:srgbClr val="4758AB"/>
-                    </a:solidFill>
-                    <a:latin typeface="Courier"/>
-                  </a:rPr>
-                  <a:t>code-overflow</a:t>
-                </a:r>
-                <a:r>
-                  <a:rPr>
-                    <a:solidFill>
-                      <a:srgbClr val="003B4F"/>
-                    </a:solidFill>
-                    <a:latin typeface="Courier"/>
-                  </a:rPr>
-                  <a:t>:</a:t>
-                </a:r>
-                <a:r>
-                  <a:rPr>
-                    <a:solidFill>
-                      <a:srgbClr val="657422"/>
-                    </a:solidFill>
-                    <a:latin typeface="Courier"/>
-                  </a:rPr>
-                  <a:t> scroll</a:t>
-                </a:r>
-                <a:br/>
-                <a:r>
-                  <a:rPr>
-                    <a:solidFill>
-                      <a:srgbClr val="657422"/>
-                    </a:solidFill>
-                    <a:latin typeface="Courier"/>
-                  </a:rPr>
-                  <a:t>    </a:t>
-                </a:r>
-                <a:r>
-                  <a:rPr>
-                    <a:solidFill>
-                      <a:srgbClr val="4758AB"/>
-                    </a:solidFill>
-                    <a:latin typeface="Courier"/>
-                  </a:rPr>
-                  <a:t>toc-title</a:t>
-                </a:r>
-                <a:r>
-                  <a:rPr>
-                    <a:solidFill>
-                      <a:srgbClr val="003B4F"/>
-                    </a:solidFill>
-                    <a:latin typeface="Courier"/>
-                  </a:rPr>
-                  <a:t>:</a:t>
-                </a:r>
-                <a:r>
-                  <a:rPr>
-                    <a:solidFill>
-                      <a:srgbClr val="657422"/>
-                    </a:solidFill>
-                    <a:latin typeface="Courier"/>
-                  </a:rPr>
-                  <a:t> </a:t>
-                </a:r>
-                <a:r>
-                  <a:rPr>
-                    <a:solidFill>
-                      <a:srgbClr val="20794D"/>
-                    </a:solidFill>
-                    <a:latin typeface="Courier"/>
-                  </a:rPr>
-                  <a:t>"目次"</a:t>
-                </a:r>
-                <a:br/>
-                <a:r>
-                  <a:rPr>
-                    <a:solidFill>
-                      <a:srgbClr val="657422"/>
-                    </a:solidFill>
-                    <a:latin typeface="Courier"/>
-                  </a:rPr>
-                  <a:t>    </a:t>
-                </a:r>
-                <a:r>
-                  <a:rPr>
-                    <a:solidFill>
-                      <a:srgbClr val="4758AB"/>
-                    </a:solidFill>
-                    <a:latin typeface="Courier"/>
-                  </a:rPr>
-                  <a:t>abstract-title</a:t>
-                </a:r>
-                <a:r>
-                  <a:rPr>
+                  <a:rPr b="1">
                     <a:solidFill>
                       <a:srgbClr val="003B4F"/>
                     </a:solidFill>
@@ -5060,7 +5090,7 @@
             </a:pPr>
             <a:r>
               <a:rPr/>
-              <a:t>2. Website の作り方</a:t>
+              <a:t>2 Website の作り方</a:t>
             </a:r>
           </a:p>
         </p:txBody>
@@ -5539,7 +5569,7 @@
               <a:t>on</a:t>
             </a:r>
             <a:r>
-              <a:rPr>
+              <a:rPr b="1">
                 <a:solidFill>
                   <a:srgbClr val="003B4F"/>
                 </a:solidFill>
@@ -5567,7 +5597,7 @@
               <a:t>workflow_dispatch</a:t>
             </a:r>
             <a:r>
-              <a:rPr>
+              <a:rPr b="1">
                 <a:solidFill>
                   <a:srgbClr val="003B4F"/>
                 </a:solidFill>
@@ -5595,7 +5625,7 @@
               <a:t>push</a:t>
             </a:r>
             <a:r>
-              <a:rPr>
+              <a:rPr b="1">
                 <a:solidFill>
                   <a:srgbClr val="003B4F"/>
                 </a:solidFill>
@@ -5623,7 +5653,7 @@
               <a:t>branches</a:t>
             </a:r>
             <a:r>
-              <a:rPr>
+              <a:rPr b="1">
                 <a:solidFill>
                   <a:srgbClr val="003B4F"/>
                 </a:solidFill>
@@ -5652,7 +5682,7 @@
               <a:t>name</a:t>
             </a:r>
             <a:r>
-              <a:rPr>
+              <a:rPr b="1">
                 <a:solidFill>
                   <a:srgbClr val="003B4F"/>
                 </a:solidFill>
@@ -5681,7 +5711,7 @@
               <a:t>jobs</a:t>
             </a:r>
             <a:r>
-              <a:rPr>
+              <a:rPr b="1">
                 <a:solidFill>
                   <a:srgbClr val="003B4F"/>
                 </a:solidFill>
@@ -5709,7 +5739,7 @@
               <a:t>build-deploy</a:t>
             </a:r>
             <a:r>
-              <a:rPr>
+              <a:rPr b="1">
                 <a:solidFill>
                   <a:srgbClr val="003B4F"/>
                 </a:solidFill>
@@ -5737,7 +5767,7 @@
               <a:t>runs-on</a:t>
             </a:r>
             <a:r>
-              <a:rPr>
+              <a:rPr b="1">
                 <a:solidFill>
                   <a:srgbClr val="003B4F"/>
                 </a:solidFill>
@@ -5774,7 +5804,7 @@
               <a:t>permissions</a:t>
             </a:r>
             <a:r>
-              <a:rPr>
+              <a:rPr b="1">
                 <a:solidFill>
                   <a:srgbClr val="003B4F"/>
                 </a:solidFill>
@@ -5802,7 +5832,7 @@
               <a:t>contents</a:t>
             </a:r>
             <a:r>
-              <a:rPr>
+              <a:rPr b="1">
                 <a:solidFill>
                   <a:srgbClr val="003B4F"/>
                 </a:solidFill>
@@ -5839,7 +5869,7 @@
               <a:t>steps</a:t>
             </a:r>
             <a:r>
-              <a:rPr>
+              <a:rPr b="1">
                 <a:solidFill>
                   <a:srgbClr val="003B4F"/>
                 </a:solidFill>
@@ -5858,7 +5888,7 @@
               <a:t>      </a:t>
             </a:r>
             <a:r>
-              <a:rPr>
+              <a:rPr b="1">
                 <a:solidFill>
                   <a:srgbClr val="003B4F"/>
                 </a:solidFill>
@@ -5885,7 +5915,7 @@
               <a:t>name</a:t>
             </a:r>
             <a:r>
-              <a:rPr>
+              <a:rPr b="1">
                 <a:solidFill>
                   <a:srgbClr val="003B4F"/>
                 </a:solidFill>
@@ -5922,7 +5952,7 @@
               <a:t>uses</a:t>
             </a:r>
             <a:r>
-              <a:rPr>
+              <a:rPr b="1">
                 <a:solidFill>
                   <a:srgbClr val="003B4F"/>
                 </a:solidFill>
@@ -5951,7 +5981,7 @@
               <a:t>      </a:t>
             </a:r>
             <a:r>
-              <a:rPr>
+              <a:rPr b="1">
                 <a:solidFill>
                   <a:srgbClr val="003B4F"/>
                 </a:solidFill>
@@ -5978,7 +6008,7 @@
               <a:t>name</a:t>
             </a:r>
             <a:r>
-              <a:rPr>
+              <a:rPr b="1">
                 <a:solidFill>
                   <a:srgbClr val="003B4F"/>
                 </a:solidFill>
@@ -6015,7 +6045,7 @@
               <a:t>uses</a:t>
             </a:r>
             <a:r>
-              <a:rPr>
+              <a:rPr b="1">
                 <a:solidFill>
                   <a:srgbClr val="003B4F"/>
                 </a:solidFill>
@@ -6052,7 +6082,7 @@
               <a:t>with</a:t>
             </a:r>
             <a:r>
-              <a:rPr>
+              <a:rPr b="1">
                 <a:solidFill>
                   <a:srgbClr val="003B4F"/>
                 </a:solidFill>
@@ -6080,7 +6110,7 @@
               <a:t>tinytex</a:t>
             </a:r>
             <a:r>
-              <a:rPr>
+              <a:rPr b="1">
                 <a:solidFill>
                   <a:srgbClr val="003B4F"/>
                 </a:solidFill>
@@ -6135,7 +6165,7 @@
               <a:t>env</a:t>
             </a:r>
             <a:r>
-              <a:rPr>
+              <a:rPr b="1">
                 <a:solidFill>
                   <a:srgbClr val="003B4F"/>
                 </a:solidFill>
@@ -6163,7 +6193,7 @@
               <a:t>GITHUB_TOKEN</a:t>
             </a:r>
             <a:r>
-              <a:rPr>
+              <a:rPr b="1">
                 <a:solidFill>
                   <a:srgbClr val="003B4F"/>
                 </a:solidFill>
@@ -6201,7 +6231,7 @@
               <a:t>      </a:t>
             </a:r>
             <a:r>
-              <a:rPr>
+              <a:rPr b="1">
                 <a:solidFill>
                   <a:srgbClr val="003B4F"/>
                 </a:solidFill>
@@ -6228,7 +6258,7 @@
               <a:t>name</a:t>
             </a:r>
             <a:r>
-              <a:rPr>
+              <a:rPr b="1">
                 <a:solidFill>
                   <a:srgbClr val="003B4F"/>
                 </a:solidFill>
@@ -6265,7 +6295,7 @@
               <a:t>uses</a:t>
             </a:r>
             <a:r>
-              <a:rPr>
+              <a:rPr b="1">
                 <a:solidFill>
                   <a:srgbClr val="003B4F"/>
                 </a:solidFill>
@@ -6302,7 +6332,7 @@
               <a:t>with</a:t>
             </a:r>
             <a:r>
-              <a:rPr>
+              <a:rPr b="1">
                 <a:solidFill>
                   <a:srgbClr val="003B4F"/>
                 </a:solidFill>
@@ -6330,7 +6360,7 @@
               <a:t>target</a:t>
             </a:r>
             <a:r>
-              <a:rPr>
+              <a:rPr b="1">
                 <a:solidFill>
                   <a:srgbClr val="003B4F"/>
                 </a:solidFill>
@@ -6377,7 +6407,7 @@
               <a:t>env</a:t>
             </a:r>
             <a:r>
-              <a:rPr>
+              <a:rPr b="1">
                 <a:solidFill>
                   <a:srgbClr val="003B4F"/>
                 </a:solidFill>
@@ -6405,7 +6435,7 @@
               <a:t>GITHUB_TOKEN</a:t>
             </a:r>
             <a:r>
-              <a:rPr>
+              <a:rPr b="1">
                 <a:solidFill>
                   <a:srgbClr val="003B4F"/>
                 </a:solidFill>
@@ -6525,7 +6555,7 @@
             </a:pPr>
             <a:r>
               <a:rPr/>
-              <a:t>3. PDF の作り方</a:t>
+              <a:t>3 PDF の作り方</a:t>
             </a:r>
           </a:p>
         </p:txBody>
@@ -6707,7 +6737,16 @@
                 </a:solidFill>
                 <a:latin typeface="Courier"/>
               </a:rPr>
-              <a:t>Y3/mc/m/n/10=file:HaranoAjiMincho-Regular.otf:-kern;</a:t>
+              <a:t>Y3/mc/m/n/10=file:HaranoAjiMincho-Regular.otf:-kern</a:t>
+            </a:r>
+            <a:r>
+              <a:rPr b="1">
+                <a:solidFill>
+                  <a:srgbClr val="003B4F"/>
+                </a:solidFill>
+                <a:latin typeface="Courier"/>
+              </a:rPr>
+              <a:t>;</a:t>
             </a:r>
             <a:r>
               <a:rPr>
@@ -6870,7 +6909,25 @@
                 </a:solidFill>
                 <a:latin typeface="Courier"/>
               </a:rPr>
-              <a:t>LaTeX Error: File `haranoaji.sty</a:t>
+              <a:t>LaTeX Error: File </a:t>
+            </a:r>
+            <a:r>
+              <a:rPr b="1">
+                <a:solidFill>
+                  <a:srgbClr val="003B4F"/>
+                </a:solidFill>
+                <a:latin typeface="Courier"/>
+              </a:rPr>
+              <a:t>`</a:t>
+            </a:r>
+            <a:r>
+              <a:rPr>
+                <a:solidFill>
+                  <a:srgbClr val="003B4F"/>
+                </a:solidFill>
+                <a:latin typeface="Courier"/>
+              </a:rPr>
+              <a:t>haranoaji.sty</a:t>
             </a:r>
             <a:r>
               <a:rPr>
@@ -7111,7 +7168,7 @@
               <a:buNone/>
             </a:pPr>
             <a:r>
-              <a:rPr>
+              <a:rPr b="1">
                 <a:solidFill>
                   <a:srgbClr val="003B4F"/>
                 </a:solidFill>
@@ -7138,7 +7195,7 @@
               <a:t>name</a:t>
             </a:r>
             <a:r>
-              <a:rPr>
+              <a:rPr b="1">
                 <a:solidFill>
                   <a:srgbClr val="003B4F"/>
                 </a:solidFill>
@@ -7193,7 +7250,7 @@
               <a:t>env</a:t>
             </a:r>
             <a:r>
-              <a:rPr>
+              <a:rPr b="1">
                 <a:solidFill>
                   <a:srgbClr val="003B4F"/>
                 </a:solidFill>
@@ -7221,7 +7278,7 @@
               <a:t>QUARTO_PRINT_STACK</a:t>
             </a:r>
             <a:r>
-              <a:rPr>
+              <a:rPr b="1">
                 <a:solidFill>
                   <a:srgbClr val="003B4F"/>
                 </a:solidFill>
@@ -7267,7 +7324,7 @@
               <a:t>GITHUB_TOKEN</a:t>
             </a:r>
             <a:r>
-              <a:rPr>
+              <a:rPr b="1">
                 <a:solidFill>
                   <a:srgbClr val="003B4F"/>
                 </a:solidFill>
@@ -7304,7 +7361,7 @@
               <a:t>  run</a:t>
             </a:r>
             <a:r>
-              <a:rPr>
+              <a:rPr b="1">
                 <a:solidFill>
                   <a:srgbClr val="003B4F"/>
                 </a:solidFill>
@@ -7571,7 +7628,7 @@
               <a:t>shell</a:t>
             </a:r>
             <a:r>
-              <a:rPr>
+              <a:rPr b="1">
                 <a:solidFill>
                   <a:srgbClr val="003B4F"/>
                 </a:solidFill>
@@ -7867,13 +7924,22 @@
             </a:r>
             <a:br/>
             <a:r>
-              <a:rPr>
-                <a:solidFill>
-                  <a:srgbClr val="003B4F"/>
-                </a:solidFill>
-                <a:latin typeface="Courier"/>
-              </a:rPr>
-              <a:t>done running mktexlsr.</a:t>
+              <a:rPr b="1">
+                <a:solidFill>
+                  <a:srgbClr val="003B4F"/>
+                </a:solidFill>
+                <a:latin typeface="Courier"/>
+              </a:rPr>
+              <a:t>done</a:t>
+            </a:r>
+            <a:r>
+              <a:rPr>
+                <a:solidFill>
+                  <a:srgbClr val="003B4F"/>
+                </a:solidFill>
+                <a:latin typeface="Courier"/>
+              </a:rPr>
+              <a:t> running mktexlsr.</a:t>
             </a:r>
             <a:br/>
             <a:r>
@@ -8053,7 +8119,7 @@
             </a:pPr>
             <a:r>
               <a:rPr/>
-              <a:t>4. スライドの作り方</a:t>
+              <a:t>4 スライドの作り方</a:t>
             </a:r>
           </a:p>
         </p:txBody>
